--- a/ppt 16-9/0001.圣哉三一.pptx
+++ b/ppt 16-9/0001.圣哉三一.pptx
@@ -104,6 +104,11 @@
       </a:defRPr>
     </a:lvl9pPr>
   </p:defaultTextStyle>
+  <p:extLst>
+    <p:ext uri="{EFAFB233-063F-42B5-8137-9DF3F51BA10A}">
+      <p15:sldGuideLst xmlns:p15="http://schemas.microsoft.com/office/powerpoint/2012/main"/>
+    </p:ext>
+  </p:extLst>
 </p:presentation>
 </file>
 
@@ -3321,50 +3326,6 @@
           <a:chExt cx="0" cy="0"/>
         </a:xfrm>
       </p:grpSpPr>
-      <p:sp>
-        <p:nvSpPr>
-          <p:cNvPr id="2050" name="Rectangle 2"/>
-          <p:cNvSpPr>
-            <a:spLocks noGrp="1" noChangeArrowheads="1"/>
-          </p:cNvSpPr>
-          <p:nvPr>
-            <p:ph type="title"/>
-          </p:nvPr>
-        </p:nvSpPr>
-        <p:spPr/>
-        <p:txBody>
-          <a:bodyPr/>
-          <a:lstStyle/>
-          <a:p>
-            <a:pPr eaLnBrk="1" hangingPunct="1"/>
-            <a:r>
-              <a:rPr lang="it-IT" altLang="zh-CN"/>
-              <a:t>1325</a:t>
-            </a:r>
-            <a:endParaRPr lang="zh-CN" altLang="zh-CN"/>
-          </a:p>
-        </p:txBody>
-      </p:sp>
-      <p:sp>
-        <p:nvSpPr>
-          <p:cNvPr id="2051" name="Rectangle 3"/>
-          <p:cNvSpPr>
-            <a:spLocks noGrp="1" noChangeArrowheads="1"/>
-          </p:cNvSpPr>
-          <p:nvPr>
-            <p:ph type="body" idx="1"/>
-          </p:nvPr>
-        </p:nvSpPr>
-        <p:spPr/>
-        <p:txBody>
-          <a:bodyPr/>
-          <a:lstStyle/>
-          <a:p>
-            <a:pPr eaLnBrk="1" hangingPunct="1"/>
-            <a:endParaRPr lang="zh-CN" altLang="zh-CN" dirty="0"/>
-          </a:p>
-        </p:txBody>
-      </p:sp>
       <p:pic>
         <p:nvPicPr>
           <p:cNvPr id="2052" name="Picture 4" descr="1"/>
